--- a/figures/highwayopenalternatives.pptx
+++ b/figures/highwayopenalternatives.pptx
@@ -243,7 +243,7 @@
           <a:p>
             <a:fld id="{79DAF6E1-2378-4705-B564-ABC1E76FBE95}" type="datetimeFigureOut">
               <a:rPr lang="fr-FR" smtClean="0"/>
-              <a:t>12/09/2016</a:t>
+              <a:t>23/09/2016</a:t>
             </a:fld>
             <a:endParaRPr lang="fr-FR"/>
           </a:p>
@@ -413,7 +413,7 @@
           <a:p>
             <a:fld id="{79DAF6E1-2378-4705-B564-ABC1E76FBE95}" type="datetimeFigureOut">
               <a:rPr lang="fr-FR" smtClean="0"/>
-              <a:t>12/09/2016</a:t>
+              <a:t>23/09/2016</a:t>
             </a:fld>
             <a:endParaRPr lang="fr-FR"/>
           </a:p>
@@ -593,7 +593,7 @@
           <a:p>
             <a:fld id="{79DAF6E1-2378-4705-B564-ABC1E76FBE95}" type="datetimeFigureOut">
               <a:rPr lang="fr-FR" smtClean="0"/>
-              <a:t>12/09/2016</a:t>
+              <a:t>23/09/2016</a:t>
             </a:fld>
             <a:endParaRPr lang="fr-FR"/>
           </a:p>
@@ -763,7 +763,7 @@
           <a:p>
             <a:fld id="{79DAF6E1-2378-4705-B564-ABC1E76FBE95}" type="datetimeFigureOut">
               <a:rPr lang="fr-FR" smtClean="0"/>
-              <a:t>12/09/2016</a:t>
+              <a:t>23/09/2016</a:t>
             </a:fld>
             <a:endParaRPr lang="fr-FR"/>
           </a:p>
@@ -1009,7 +1009,7 @@
           <a:p>
             <a:fld id="{79DAF6E1-2378-4705-B564-ABC1E76FBE95}" type="datetimeFigureOut">
               <a:rPr lang="fr-FR" smtClean="0"/>
-              <a:t>12/09/2016</a:t>
+              <a:t>23/09/2016</a:t>
             </a:fld>
             <a:endParaRPr lang="fr-FR"/>
           </a:p>
@@ -1241,7 +1241,7 @@
           <a:p>
             <a:fld id="{79DAF6E1-2378-4705-B564-ABC1E76FBE95}" type="datetimeFigureOut">
               <a:rPr lang="fr-FR" smtClean="0"/>
-              <a:t>12/09/2016</a:t>
+              <a:t>23/09/2016</a:t>
             </a:fld>
             <a:endParaRPr lang="fr-FR"/>
           </a:p>
@@ -1608,7 +1608,7 @@
           <a:p>
             <a:fld id="{79DAF6E1-2378-4705-B564-ABC1E76FBE95}" type="datetimeFigureOut">
               <a:rPr lang="fr-FR" smtClean="0"/>
-              <a:t>12/09/2016</a:t>
+              <a:t>23/09/2016</a:t>
             </a:fld>
             <a:endParaRPr lang="fr-FR"/>
           </a:p>
@@ -1726,7 +1726,7 @@
           <a:p>
             <a:fld id="{79DAF6E1-2378-4705-B564-ABC1E76FBE95}" type="datetimeFigureOut">
               <a:rPr lang="fr-FR" smtClean="0"/>
-              <a:t>12/09/2016</a:t>
+              <a:t>23/09/2016</a:t>
             </a:fld>
             <a:endParaRPr lang="fr-FR"/>
           </a:p>
@@ -1821,7 +1821,7 @@
           <a:p>
             <a:fld id="{79DAF6E1-2378-4705-B564-ABC1E76FBE95}" type="datetimeFigureOut">
               <a:rPr lang="fr-FR" smtClean="0"/>
-              <a:t>12/09/2016</a:t>
+              <a:t>23/09/2016</a:t>
             </a:fld>
             <a:endParaRPr lang="fr-FR"/>
           </a:p>
@@ -2098,7 +2098,7 @@
           <a:p>
             <a:fld id="{79DAF6E1-2378-4705-B564-ABC1E76FBE95}" type="datetimeFigureOut">
               <a:rPr lang="fr-FR" smtClean="0"/>
-              <a:t>12/09/2016</a:t>
+              <a:t>23/09/2016</a:t>
             </a:fld>
             <a:endParaRPr lang="fr-FR"/>
           </a:p>
@@ -2351,7 +2351,7 @@
           <a:p>
             <a:fld id="{79DAF6E1-2378-4705-B564-ABC1E76FBE95}" type="datetimeFigureOut">
               <a:rPr lang="fr-FR" smtClean="0"/>
-              <a:t>12/09/2016</a:t>
+              <a:t>23/09/2016</a:t>
             </a:fld>
             <a:endParaRPr lang="fr-FR"/>
           </a:p>
@@ -2564,7 +2564,7 @@
           <a:p>
             <a:fld id="{79DAF6E1-2378-4705-B564-ABC1E76FBE95}" type="datetimeFigureOut">
               <a:rPr lang="fr-FR" smtClean="0"/>
-              <a:t>12/09/2016</a:t>
+              <a:t>23/09/2016</a:t>
             </a:fld>
             <a:endParaRPr lang="fr-FR"/>
           </a:p>
@@ -5696,7 +5696,7 @@
             <p:spPr bwMode="auto">
               <a:xfrm>
                 <a:off x="37" y="145"/>
-                <a:ext cx="1175" cy="1549"/>
+                <a:ext cx="1015" cy="1549"/>
               </a:xfrm>
               <a:prstGeom prst="rect">
                 <a:avLst/>
@@ -5746,7 +5746,7 @@
             <p:spPr bwMode="auto">
               <a:xfrm>
                 <a:off x="85" y="451"/>
-                <a:ext cx="1048" cy="264"/>
+                <a:ext cx="919" cy="264"/>
               </a:xfrm>
               <a:prstGeom prst="rect">
                 <a:avLst/>
@@ -10072,1004 +10072,6 @@
           </p:sp>
           <p:sp>
             <p:nvSpPr>
-              <p:cNvPr id="42" name="Freeform 39"/>
-              <p:cNvSpPr>
-                <a:spLocks noEditPoints="1"/>
-              </p:cNvSpPr>
-              <p:nvPr/>
-            </p:nvSpPr>
-            <p:spPr bwMode="auto">
-              <a:xfrm>
-                <a:off x="927" y="492"/>
-                <a:ext cx="6" cy="55"/>
-              </a:xfrm>
-              <a:custGeom>
-                <a:avLst/>
-                <a:gdLst>
-                  <a:gd name="T0" fmla="*/ 0 w 14"/>
-                  <a:gd name="T1" fmla="*/ 32 h 114"/>
-                  <a:gd name="T2" fmla="*/ 14 w 14"/>
-                  <a:gd name="T3" fmla="*/ 32 h 114"/>
-                  <a:gd name="T4" fmla="*/ 14 w 14"/>
-                  <a:gd name="T5" fmla="*/ 114 h 114"/>
-                  <a:gd name="T6" fmla="*/ 0 w 14"/>
-                  <a:gd name="T7" fmla="*/ 114 h 114"/>
-                  <a:gd name="T8" fmla="*/ 0 w 14"/>
-                  <a:gd name="T9" fmla="*/ 32 h 114"/>
-                  <a:gd name="T10" fmla="*/ 0 w 14"/>
-                  <a:gd name="T11" fmla="*/ 0 h 114"/>
-                  <a:gd name="T12" fmla="*/ 14 w 14"/>
-                  <a:gd name="T13" fmla="*/ 0 h 114"/>
-                  <a:gd name="T14" fmla="*/ 14 w 14"/>
-                  <a:gd name="T15" fmla="*/ 17 h 114"/>
-                  <a:gd name="T16" fmla="*/ 0 w 14"/>
-                  <a:gd name="T17" fmla="*/ 17 h 114"/>
-                  <a:gd name="T18" fmla="*/ 0 w 14"/>
-                  <a:gd name="T19" fmla="*/ 0 h 114"/>
-                </a:gdLst>
-                <a:ahLst/>
-                <a:cxnLst>
-                  <a:cxn ang="0">
-                    <a:pos x="T0" y="T1"/>
-                  </a:cxn>
-                  <a:cxn ang="0">
-                    <a:pos x="T2" y="T3"/>
-                  </a:cxn>
-                  <a:cxn ang="0">
-                    <a:pos x="T4" y="T5"/>
-                  </a:cxn>
-                  <a:cxn ang="0">
-                    <a:pos x="T6" y="T7"/>
-                  </a:cxn>
-                  <a:cxn ang="0">
-                    <a:pos x="T8" y="T9"/>
-                  </a:cxn>
-                  <a:cxn ang="0">
-                    <a:pos x="T10" y="T11"/>
-                  </a:cxn>
-                  <a:cxn ang="0">
-                    <a:pos x="T12" y="T13"/>
-                  </a:cxn>
-                  <a:cxn ang="0">
-                    <a:pos x="T14" y="T15"/>
-                  </a:cxn>
-                  <a:cxn ang="0">
-                    <a:pos x="T16" y="T17"/>
-                  </a:cxn>
-                  <a:cxn ang="0">
-                    <a:pos x="T18" y="T19"/>
-                  </a:cxn>
-                </a:cxnLst>
-                <a:rect l="0" t="0" r="r" b="b"/>
-                <a:pathLst>
-                  <a:path w="14" h="114">
-                    <a:moveTo>
-                      <a:pt x="0" y="32"/>
-                    </a:moveTo>
-                    <a:lnTo>
-                      <a:pt x="14" y="32"/>
-                    </a:lnTo>
-                    <a:lnTo>
-                      <a:pt x="14" y="114"/>
-                    </a:lnTo>
-                    <a:lnTo>
-                      <a:pt x="0" y="114"/>
-                    </a:lnTo>
-                    <a:lnTo>
-                      <a:pt x="0" y="32"/>
-                    </a:lnTo>
-                    <a:close/>
-                    <a:moveTo>
-                      <a:pt x="0" y="0"/>
-                    </a:moveTo>
-                    <a:lnTo>
-                      <a:pt x="14" y="0"/>
-                    </a:lnTo>
-                    <a:lnTo>
-                      <a:pt x="14" y="17"/>
-                    </a:lnTo>
-                    <a:lnTo>
-                      <a:pt x="0" y="17"/>
-                    </a:lnTo>
-                    <a:lnTo>
-                      <a:pt x="0" y="0"/>
-                    </a:lnTo>
-                    <a:close/>
-                  </a:path>
-                </a:pathLst>
-              </a:custGeom>
-              <a:solidFill>
-                <a:srgbClr val="000000"/>
-              </a:solidFill>
-              <a:ln>
-                <a:noFill/>
-              </a:ln>
-              <a:extLst>
-                <a:ext uri="{91240B29-F687-4F45-9708-019B960494DF}">
-                  <a14:hiddenLine xmlns:a14="http://schemas.microsoft.com/office/drawing/2010/main" w="9525">
-                    <a:solidFill>
-                      <a:srgbClr val="000000"/>
-                    </a:solidFill>
-                    <a:round/>
-                    <a:headEnd/>
-                    <a:tailEnd/>
-                  </a14:hiddenLine>
-                </a:ext>
-              </a:extLst>
-            </p:spPr>
-            <p:txBody>
-              <a:bodyPr vert="horz" wrap="square" lIns="91440" tIns="45720" rIns="91440" bIns="45720" numCol="1" anchor="t" anchorCtr="0" compatLnSpc="1">
-                <a:prstTxWarp prst="textNoShape">
-                  <a:avLst/>
-                </a:prstTxWarp>
-              </a:bodyPr>
-              <a:lstStyle/>
-              <a:p>
-                <a:endParaRPr lang="fr-FR">
-                  <a:latin typeface="Arial" panose="020B0604020202020204" pitchFamily="34" charset="0"/>
-                  <a:cs typeface="Arial" panose="020B0604020202020204" pitchFamily="34" charset="0"/>
-                </a:endParaRPr>
-              </a:p>
-            </p:txBody>
-          </p:sp>
-          <p:sp>
-            <p:nvSpPr>
-              <p:cNvPr id="43" name="Freeform 40"/>
-              <p:cNvSpPr>
-                <a:spLocks/>
-              </p:cNvSpPr>
-              <p:nvPr/>
-            </p:nvSpPr>
-            <p:spPr bwMode="auto">
-              <a:xfrm>
-                <a:off x="946" y="507"/>
-                <a:ext cx="58" cy="40"/>
-              </a:xfrm>
-              <a:custGeom>
-                <a:avLst/>
-                <a:gdLst>
-                  <a:gd name="T0" fmla="*/ 65 w 120"/>
-                  <a:gd name="T1" fmla="*/ 18 h 84"/>
-                  <a:gd name="T2" fmla="*/ 77 w 120"/>
-                  <a:gd name="T3" fmla="*/ 4 h 84"/>
-                  <a:gd name="T4" fmla="*/ 93 w 120"/>
-                  <a:gd name="T5" fmla="*/ 0 h 84"/>
-                  <a:gd name="T6" fmla="*/ 113 w 120"/>
-                  <a:gd name="T7" fmla="*/ 9 h 84"/>
-                  <a:gd name="T8" fmla="*/ 120 w 120"/>
-                  <a:gd name="T9" fmla="*/ 34 h 84"/>
-                  <a:gd name="T10" fmla="*/ 120 w 120"/>
-                  <a:gd name="T11" fmla="*/ 84 h 84"/>
-                  <a:gd name="T12" fmla="*/ 106 w 120"/>
-                  <a:gd name="T13" fmla="*/ 84 h 84"/>
-                  <a:gd name="T14" fmla="*/ 106 w 120"/>
-                  <a:gd name="T15" fmla="*/ 35 h 84"/>
-                  <a:gd name="T16" fmla="*/ 102 w 120"/>
-                  <a:gd name="T17" fmla="*/ 17 h 84"/>
-                  <a:gd name="T18" fmla="*/ 89 w 120"/>
-                  <a:gd name="T19" fmla="*/ 12 h 84"/>
-                  <a:gd name="T20" fmla="*/ 73 w 120"/>
-                  <a:gd name="T21" fmla="*/ 19 h 84"/>
-                  <a:gd name="T22" fmla="*/ 67 w 120"/>
-                  <a:gd name="T23" fmla="*/ 38 h 84"/>
-                  <a:gd name="T24" fmla="*/ 67 w 120"/>
-                  <a:gd name="T25" fmla="*/ 84 h 84"/>
-                  <a:gd name="T26" fmla="*/ 53 w 120"/>
-                  <a:gd name="T27" fmla="*/ 84 h 84"/>
-                  <a:gd name="T28" fmla="*/ 53 w 120"/>
-                  <a:gd name="T29" fmla="*/ 35 h 84"/>
-                  <a:gd name="T30" fmla="*/ 49 w 120"/>
-                  <a:gd name="T31" fmla="*/ 17 h 84"/>
-                  <a:gd name="T32" fmla="*/ 36 w 120"/>
-                  <a:gd name="T33" fmla="*/ 12 h 84"/>
-                  <a:gd name="T34" fmla="*/ 20 w 120"/>
-                  <a:gd name="T35" fmla="*/ 19 h 84"/>
-                  <a:gd name="T36" fmla="*/ 14 w 120"/>
-                  <a:gd name="T37" fmla="*/ 38 h 84"/>
-                  <a:gd name="T38" fmla="*/ 14 w 120"/>
-                  <a:gd name="T39" fmla="*/ 84 h 84"/>
-                  <a:gd name="T40" fmla="*/ 0 w 120"/>
-                  <a:gd name="T41" fmla="*/ 84 h 84"/>
-                  <a:gd name="T42" fmla="*/ 0 w 120"/>
-                  <a:gd name="T43" fmla="*/ 2 h 84"/>
-                  <a:gd name="T44" fmla="*/ 14 w 120"/>
-                  <a:gd name="T45" fmla="*/ 2 h 84"/>
-                  <a:gd name="T46" fmla="*/ 14 w 120"/>
-                  <a:gd name="T47" fmla="*/ 15 h 84"/>
-                  <a:gd name="T48" fmla="*/ 25 w 120"/>
-                  <a:gd name="T49" fmla="*/ 4 h 84"/>
-                  <a:gd name="T50" fmla="*/ 40 w 120"/>
-                  <a:gd name="T51" fmla="*/ 0 h 84"/>
-                  <a:gd name="T52" fmla="*/ 55 w 120"/>
-                  <a:gd name="T53" fmla="*/ 5 h 84"/>
-                  <a:gd name="T54" fmla="*/ 65 w 120"/>
-                  <a:gd name="T55" fmla="*/ 18 h 84"/>
-                </a:gdLst>
-                <a:ahLst/>
-                <a:cxnLst>
-                  <a:cxn ang="0">
-                    <a:pos x="T0" y="T1"/>
-                  </a:cxn>
-                  <a:cxn ang="0">
-                    <a:pos x="T2" y="T3"/>
-                  </a:cxn>
-                  <a:cxn ang="0">
-                    <a:pos x="T4" y="T5"/>
-                  </a:cxn>
-                  <a:cxn ang="0">
-                    <a:pos x="T6" y="T7"/>
-                  </a:cxn>
-                  <a:cxn ang="0">
-                    <a:pos x="T8" y="T9"/>
-                  </a:cxn>
-                  <a:cxn ang="0">
-                    <a:pos x="T10" y="T11"/>
-                  </a:cxn>
-                  <a:cxn ang="0">
-                    <a:pos x="T12" y="T13"/>
-                  </a:cxn>
-                  <a:cxn ang="0">
-                    <a:pos x="T14" y="T15"/>
-                  </a:cxn>
-                  <a:cxn ang="0">
-                    <a:pos x="T16" y="T17"/>
-                  </a:cxn>
-                  <a:cxn ang="0">
-                    <a:pos x="T18" y="T19"/>
-                  </a:cxn>
-                  <a:cxn ang="0">
-                    <a:pos x="T20" y="T21"/>
-                  </a:cxn>
-                  <a:cxn ang="0">
-                    <a:pos x="T22" y="T23"/>
-                  </a:cxn>
-                  <a:cxn ang="0">
-                    <a:pos x="T24" y="T25"/>
-                  </a:cxn>
-                  <a:cxn ang="0">
-                    <a:pos x="T26" y="T27"/>
-                  </a:cxn>
-                  <a:cxn ang="0">
-                    <a:pos x="T28" y="T29"/>
-                  </a:cxn>
-                  <a:cxn ang="0">
-                    <a:pos x="T30" y="T31"/>
-                  </a:cxn>
-                  <a:cxn ang="0">
-                    <a:pos x="T32" y="T33"/>
-                  </a:cxn>
-                  <a:cxn ang="0">
-                    <a:pos x="T34" y="T35"/>
-                  </a:cxn>
-                  <a:cxn ang="0">
-                    <a:pos x="T36" y="T37"/>
-                  </a:cxn>
-                  <a:cxn ang="0">
-                    <a:pos x="T38" y="T39"/>
-                  </a:cxn>
-                  <a:cxn ang="0">
-                    <a:pos x="T40" y="T41"/>
-                  </a:cxn>
-                  <a:cxn ang="0">
-                    <a:pos x="T42" y="T43"/>
-                  </a:cxn>
-                  <a:cxn ang="0">
-                    <a:pos x="T44" y="T45"/>
-                  </a:cxn>
-                  <a:cxn ang="0">
-                    <a:pos x="T46" y="T47"/>
-                  </a:cxn>
-                  <a:cxn ang="0">
-                    <a:pos x="T48" y="T49"/>
-                  </a:cxn>
-                  <a:cxn ang="0">
-                    <a:pos x="T50" y="T51"/>
-                  </a:cxn>
-                  <a:cxn ang="0">
-                    <a:pos x="T52" y="T53"/>
-                  </a:cxn>
-                  <a:cxn ang="0">
-                    <a:pos x="T54" y="T55"/>
-                  </a:cxn>
-                </a:cxnLst>
-                <a:rect l="0" t="0" r="r" b="b"/>
-                <a:pathLst>
-                  <a:path w="120" h="84">
-                    <a:moveTo>
-                      <a:pt x="65" y="18"/>
-                    </a:moveTo>
-                    <a:cubicBezTo>
-                      <a:pt x="68" y="12"/>
-                      <a:pt x="72" y="7"/>
-                      <a:pt x="77" y="4"/>
-                    </a:cubicBezTo>
-                    <a:cubicBezTo>
-                      <a:pt x="81" y="1"/>
-                      <a:pt x="87" y="0"/>
-                      <a:pt x="93" y="0"/>
-                    </a:cubicBezTo>
-                    <a:cubicBezTo>
-                      <a:pt x="102" y="0"/>
-                      <a:pt x="108" y="3"/>
-                      <a:pt x="113" y="9"/>
-                    </a:cubicBezTo>
-                    <a:cubicBezTo>
-                      <a:pt x="118" y="15"/>
-                      <a:pt x="120" y="23"/>
-                      <a:pt x="120" y="34"/>
-                    </a:cubicBezTo>
-                    <a:lnTo>
-                      <a:pt x="120" y="84"/>
-                    </a:lnTo>
-                    <a:lnTo>
-                      <a:pt x="106" y="84"/>
-                    </a:lnTo>
-                    <a:lnTo>
-                      <a:pt x="106" y="35"/>
-                    </a:lnTo>
-                    <a:cubicBezTo>
-                      <a:pt x="106" y="27"/>
-                      <a:pt x="105" y="21"/>
-                      <a:pt x="102" y="17"/>
-                    </a:cubicBezTo>
-                    <a:cubicBezTo>
-                      <a:pt x="99" y="14"/>
-                      <a:pt x="95" y="12"/>
-                      <a:pt x="89" y="12"/>
-                    </a:cubicBezTo>
-                    <a:cubicBezTo>
-                      <a:pt x="82" y="12"/>
-                      <a:pt x="77" y="14"/>
-                      <a:pt x="73" y="19"/>
-                    </a:cubicBezTo>
-                    <a:cubicBezTo>
-                      <a:pt x="69" y="23"/>
-                      <a:pt x="67" y="30"/>
-                      <a:pt x="67" y="38"/>
-                    </a:cubicBezTo>
-                    <a:lnTo>
-                      <a:pt x="67" y="84"/>
-                    </a:lnTo>
-                    <a:lnTo>
-                      <a:pt x="53" y="84"/>
-                    </a:lnTo>
-                    <a:lnTo>
-                      <a:pt x="53" y="35"/>
-                    </a:lnTo>
-                    <a:cubicBezTo>
-                      <a:pt x="53" y="27"/>
-                      <a:pt x="52" y="21"/>
-                      <a:pt x="49" y="17"/>
-                    </a:cubicBezTo>
-                    <a:cubicBezTo>
-                      <a:pt x="46" y="14"/>
-                      <a:pt x="42" y="12"/>
-                      <a:pt x="36" y="12"/>
-                    </a:cubicBezTo>
-                    <a:cubicBezTo>
-                      <a:pt x="29" y="12"/>
-                      <a:pt x="24" y="14"/>
-                      <a:pt x="20" y="19"/>
-                    </a:cubicBezTo>
-                    <a:cubicBezTo>
-                      <a:pt x="16" y="23"/>
-                      <a:pt x="14" y="30"/>
-                      <a:pt x="14" y="38"/>
-                    </a:cubicBezTo>
-                    <a:lnTo>
-                      <a:pt x="14" y="84"/>
-                    </a:lnTo>
-                    <a:lnTo>
-                      <a:pt x="0" y="84"/>
-                    </a:lnTo>
-                    <a:lnTo>
-                      <a:pt x="0" y="2"/>
-                    </a:lnTo>
-                    <a:lnTo>
-                      <a:pt x="14" y="2"/>
-                    </a:lnTo>
-                    <a:lnTo>
-                      <a:pt x="14" y="15"/>
-                    </a:lnTo>
-                    <a:cubicBezTo>
-                      <a:pt x="17" y="10"/>
-                      <a:pt x="20" y="6"/>
-                      <a:pt x="25" y="4"/>
-                    </a:cubicBezTo>
-                    <a:cubicBezTo>
-                      <a:pt x="29" y="1"/>
-                      <a:pt x="34" y="0"/>
-                      <a:pt x="40" y="0"/>
-                    </a:cubicBezTo>
-                    <a:cubicBezTo>
-                      <a:pt x="46" y="0"/>
-                      <a:pt x="51" y="2"/>
-                      <a:pt x="55" y="5"/>
-                    </a:cubicBezTo>
-                    <a:cubicBezTo>
-                      <a:pt x="59" y="8"/>
-                      <a:pt x="63" y="12"/>
-                      <a:pt x="65" y="18"/>
-                    </a:cubicBezTo>
-                    <a:close/>
-                  </a:path>
-                </a:pathLst>
-              </a:custGeom>
-              <a:solidFill>
-                <a:srgbClr val="000000"/>
-              </a:solidFill>
-              <a:ln>
-                <a:noFill/>
-              </a:ln>
-              <a:extLst>
-                <a:ext uri="{91240B29-F687-4F45-9708-019B960494DF}">
-                  <a14:hiddenLine xmlns:a14="http://schemas.microsoft.com/office/drawing/2010/main" w="9525">
-                    <a:solidFill>
-                      <a:srgbClr val="000000"/>
-                    </a:solidFill>
-                    <a:round/>
-                    <a:headEnd/>
-                    <a:tailEnd/>
-                  </a14:hiddenLine>
-                </a:ext>
-              </a:extLst>
-            </p:spPr>
-            <p:txBody>
-              <a:bodyPr vert="horz" wrap="square" lIns="91440" tIns="45720" rIns="91440" bIns="45720" numCol="1" anchor="t" anchorCtr="0" compatLnSpc="1">
-                <a:prstTxWarp prst="textNoShape">
-                  <a:avLst/>
-                </a:prstTxWarp>
-              </a:bodyPr>
-              <a:lstStyle/>
-              <a:p>
-                <a:endParaRPr lang="fr-FR">
-                  <a:latin typeface="Arial" panose="020B0604020202020204" pitchFamily="34" charset="0"/>
-                  <a:cs typeface="Arial" panose="020B0604020202020204" pitchFamily="34" charset="0"/>
-                </a:endParaRPr>
-              </a:p>
-            </p:txBody>
-          </p:sp>
-          <p:sp>
-            <p:nvSpPr>
-              <p:cNvPr id="44" name="Freeform 41"/>
-              <p:cNvSpPr>
-                <a:spLocks noEditPoints="1"/>
-              </p:cNvSpPr>
-              <p:nvPr/>
-            </p:nvSpPr>
-            <p:spPr bwMode="auto">
-              <a:xfrm>
-                <a:off x="1016" y="507"/>
-                <a:ext cx="33" cy="41"/>
-              </a:xfrm>
-              <a:custGeom>
-                <a:avLst/>
-                <a:gdLst>
-                  <a:gd name="T0" fmla="*/ 0 w 69"/>
-                  <a:gd name="T1" fmla="*/ 52 h 86"/>
-                  <a:gd name="T2" fmla="*/ 0 w 69"/>
-                  <a:gd name="T3" fmla="*/ 2 h 86"/>
-                  <a:gd name="T4" fmla="*/ 14 w 69"/>
-                  <a:gd name="T5" fmla="*/ 2 h 86"/>
-                  <a:gd name="T6" fmla="*/ 14 w 69"/>
-                  <a:gd name="T7" fmla="*/ 51 h 86"/>
-                  <a:gd name="T8" fmla="*/ 18 w 69"/>
-                  <a:gd name="T9" fmla="*/ 69 h 86"/>
-                  <a:gd name="T10" fmla="*/ 32 w 69"/>
-                  <a:gd name="T11" fmla="*/ 74 h 86"/>
-                  <a:gd name="T12" fmla="*/ 49 w 69"/>
-                  <a:gd name="T13" fmla="*/ 67 h 86"/>
-                  <a:gd name="T14" fmla="*/ 56 w 69"/>
-                  <a:gd name="T15" fmla="*/ 48 h 86"/>
-                  <a:gd name="T16" fmla="*/ 56 w 69"/>
-                  <a:gd name="T17" fmla="*/ 2 h 86"/>
-                  <a:gd name="T18" fmla="*/ 69 w 69"/>
-                  <a:gd name="T19" fmla="*/ 2 h 86"/>
-                  <a:gd name="T20" fmla="*/ 69 w 69"/>
-                  <a:gd name="T21" fmla="*/ 84 h 86"/>
-                  <a:gd name="T22" fmla="*/ 56 w 69"/>
-                  <a:gd name="T23" fmla="*/ 84 h 86"/>
-                  <a:gd name="T24" fmla="*/ 56 w 69"/>
-                  <a:gd name="T25" fmla="*/ 71 h 86"/>
-                  <a:gd name="T26" fmla="*/ 44 w 69"/>
-                  <a:gd name="T27" fmla="*/ 83 h 86"/>
-                  <a:gd name="T28" fmla="*/ 29 w 69"/>
-                  <a:gd name="T29" fmla="*/ 86 h 86"/>
-                  <a:gd name="T30" fmla="*/ 8 w 69"/>
-                  <a:gd name="T31" fmla="*/ 77 h 86"/>
-                  <a:gd name="T32" fmla="*/ 0 w 69"/>
-                  <a:gd name="T33" fmla="*/ 52 h 86"/>
-                  <a:gd name="T34" fmla="*/ 34 w 69"/>
-                  <a:gd name="T35" fmla="*/ 0 h 86"/>
-                </a:gdLst>
-                <a:ahLst/>
-                <a:cxnLst>
-                  <a:cxn ang="0">
-                    <a:pos x="T0" y="T1"/>
-                  </a:cxn>
-                  <a:cxn ang="0">
-                    <a:pos x="T2" y="T3"/>
-                  </a:cxn>
-                  <a:cxn ang="0">
-                    <a:pos x="T4" y="T5"/>
-                  </a:cxn>
-                  <a:cxn ang="0">
-                    <a:pos x="T6" y="T7"/>
-                  </a:cxn>
-                  <a:cxn ang="0">
-                    <a:pos x="T8" y="T9"/>
-                  </a:cxn>
-                  <a:cxn ang="0">
-                    <a:pos x="T10" y="T11"/>
-                  </a:cxn>
-                  <a:cxn ang="0">
-                    <a:pos x="T12" y="T13"/>
-                  </a:cxn>
-                  <a:cxn ang="0">
-                    <a:pos x="T14" y="T15"/>
-                  </a:cxn>
-                  <a:cxn ang="0">
-                    <a:pos x="T16" y="T17"/>
-                  </a:cxn>
-                  <a:cxn ang="0">
-                    <a:pos x="T18" y="T19"/>
-                  </a:cxn>
-                  <a:cxn ang="0">
-                    <a:pos x="T20" y="T21"/>
-                  </a:cxn>
-                  <a:cxn ang="0">
-                    <a:pos x="T22" y="T23"/>
-                  </a:cxn>
-                  <a:cxn ang="0">
-                    <a:pos x="T24" y="T25"/>
-                  </a:cxn>
-                  <a:cxn ang="0">
-                    <a:pos x="T26" y="T27"/>
-                  </a:cxn>
-                  <a:cxn ang="0">
-                    <a:pos x="T28" y="T29"/>
-                  </a:cxn>
-                  <a:cxn ang="0">
-                    <a:pos x="T30" y="T31"/>
-                  </a:cxn>
-                  <a:cxn ang="0">
-                    <a:pos x="T32" y="T33"/>
-                  </a:cxn>
-                  <a:cxn ang="0">
-                    <a:pos x="T34" y="T35"/>
-                  </a:cxn>
-                </a:cxnLst>
-                <a:rect l="0" t="0" r="r" b="b"/>
-                <a:pathLst>
-                  <a:path w="69" h="86">
-                    <a:moveTo>
-                      <a:pt x="0" y="52"/>
-                    </a:moveTo>
-                    <a:lnTo>
-                      <a:pt x="0" y="2"/>
-                    </a:lnTo>
-                    <a:lnTo>
-                      <a:pt x="14" y="2"/>
-                    </a:lnTo>
-                    <a:lnTo>
-                      <a:pt x="14" y="51"/>
-                    </a:lnTo>
-                    <a:cubicBezTo>
-                      <a:pt x="14" y="59"/>
-                      <a:pt x="15" y="65"/>
-                      <a:pt x="18" y="69"/>
-                    </a:cubicBezTo>
-                    <a:cubicBezTo>
-                      <a:pt x="21" y="72"/>
-                      <a:pt x="26" y="74"/>
-                      <a:pt x="32" y="74"/>
-                    </a:cubicBezTo>
-                    <a:cubicBezTo>
-                      <a:pt x="39" y="74"/>
-                      <a:pt x="45" y="72"/>
-                      <a:pt x="49" y="67"/>
-                    </a:cubicBezTo>
-                    <a:cubicBezTo>
-                      <a:pt x="54" y="63"/>
-                      <a:pt x="56" y="56"/>
-                      <a:pt x="56" y="48"/>
-                    </a:cubicBezTo>
-                    <a:lnTo>
-                      <a:pt x="56" y="2"/>
-                    </a:lnTo>
-                    <a:lnTo>
-                      <a:pt x="69" y="2"/>
-                    </a:lnTo>
-                    <a:lnTo>
-                      <a:pt x="69" y="84"/>
-                    </a:lnTo>
-                    <a:lnTo>
-                      <a:pt x="56" y="84"/>
-                    </a:lnTo>
-                    <a:lnTo>
-                      <a:pt x="56" y="71"/>
-                    </a:lnTo>
-                    <a:cubicBezTo>
-                      <a:pt x="52" y="76"/>
-                      <a:pt x="49" y="80"/>
-                      <a:pt x="44" y="83"/>
-                    </a:cubicBezTo>
-                    <a:cubicBezTo>
-                      <a:pt x="40" y="85"/>
-                      <a:pt x="35" y="86"/>
-                      <a:pt x="29" y="86"/>
-                    </a:cubicBezTo>
-                    <a:cubicBezTo>
-                      <a:pt x="20" y="86"/>
-                      <a:pt x="13" y="83"/>
-                      <a:pt x="8" y="77"/>
-                    </a:cubicBezTo>
-                    <a:cubicBezTo>
-                      <a:pt x="3" y="71"/>
-                      <a:pt x="0" y="63"/>
-                      <a:pt x="0" y="52"/>
-                    </a:cubicBezTo>
-                    <a:close/>
-                    <a:moveTo>
-                      <a:pt x="34" y="0"/>
-                    </a:moveTo>
-                    <a:close/>
-                  </a:path>
-                </a:pathLst>
-              </a:custGeom>
-              <a:solidFill>
-                <a:srgbClr val="000000"/>
-              </a:solidFill>
-              <a:ln>
-                <a:noFill/>
-              </a:ln>
-              <a:extLst>
-                <a:ext uri="{91240B29-F687-4F45-9708-019B960494DF}">
-                  <a14:hiddenLine xmlns:a14="http://schemas.microsoft.com/office/drawing/2010/main" w="9525">
-                    <a:solidFill>
-                      <a:srgbClr val="000000"/>
-                    </a:solidFill>
-                    <a:round/>
-                    <a:headEnd/>
-                    <a:tailEnd/>
-                  </a14:hiddenLine>
-                </a:ext>
-              </a:extLst>
-            </p:spPr>
-            <p:txBody>
-              <a:bodyPr vert="horz" wrap="square" lIns="91440" tIns="45720" rIns="91440" bIns="45720" numCol="1" anchor="t" anchorCtr="0" compatLnSpc="1">
-                <a:prstTxWarp prst="textNoShape">
-                  <a:avLst/>
-                </a:prstTxWarp>
-              </a:bodyPr>
-              <a:lstStyle/>
-              <a:p>
-                <a:endParaRPr lang="fr-FR">
-                  <a:latin typeface="Arial" panose="020B0604020202020204" pitchFamily="34" charset="0"/>
-                  <a:cs typeface="Arial" panose="020B0604020202020204" pitchFamily="34" charset="0"/>
-                </a:endParaRPr>
-              </a:p>
-            </p:txBody>
-          </p:sp>
-          <p:sp>
-            <p:nvSpPr>
-              <p:cNvPr id="45" name="Freeform 42"/>
-              <p:cNvSpPr>
-                <a:spLocks/>
-              </p:cNvSpPr>
-              <p:nvPr/>
-            </p:nvSpPr>
-            <p:spPr bwMode="auto">
-              <a:xfrm>
-                <a:off x="1062" y="507"/>
-                <a:ext cx="58" cy="40"/>
-              </a:xfrm>
-              <a:custGeom>
-                <a:avLst/>
-                <a:gdLst>
-                  <a:gd name="T0" fmla="*/ 64 w 119"/>
-                  <a:gd name="T1" fmla="*/ 18 h 84"/>
-                  <a:gd name="T2" fmla="*/ 76 w 119"/>
-                  <a:gd name="T3" fmla="*/ 4 h 84"/>
-                  <a:gd name="T4" fmla="*/ 93 w 119"/>
-                  <a:gd name="T5" fmla="*/ 0 h 84"/>
-                  <a:gd name="T6" fmla="*/ 112 w 119"/>
-                  <a:gd name="T7" fmla="*/ 9 h 84"/>
-                  <a:gd name="T8" fmla="*/ 119 w 119"/>
-                  <a:gd name="T9" fmla="*/ 34 h 84"/>
-                  <a:gd name="T10" fmla="*/ 119 w 119"/>
-                  <a:gd name="T11" fmla="*/ 84 h 84"/>
-                  <a:gd name="T12" fmla="*/ 106 w 119"/>
-                  <a:gd name="T13" fmla="*/ 84 h 84"/>
-                  <a:gd name="T14" fmla="*/ 106 w 119"/>
-                  <a:gd name="T15" fmla="*/ 35 h 84"/>
-                  <a:gd name="T16" fmla="*/ 102 w 119"/>
-                  <a:gd name="T17" fmla="*/ 17 h 84"/>
-                  <a:gd name="T18" fmla="*/ 89 w 119"/>
-                  <a:gd name="T19" fmla="*/ 12 h 84"/>
-                  <a:gd name="T20" fmla="*/ 72 w 119"/>
-                  <a:gd name="T21" fmla="*/ 19 h 84"/>
-                  <a:gd name="T22" fmla="*/ 66 w 119"/>
-                  <a:gd name="T23" fmla="*/ 38 h 84"/>
-                  <a:gd name="T24" fmla="*/ 66 w 119"/>
-                  <a:gd name="T25" fmla="*/ 84 h 84"/>
-                  <a:gd name="T26" fmla="*/ 53 w 119"/>
-                  <a:gd name="T27" fmla="*/ 84 h 84"/>
-                  <a:gd name="T28" fmla="*/ 53 w 119"/>
-                  <a:gd name="T29" fmla="*/ 35 h 84"/>
-                  <a:gd name="T30" fmla="*/ 48 w 119"/>
-                  <a:gd name="T31" fmla="*/ 17 h 84"/>
-                  <a:gd name="T32" fmla="*/ 36 w 119"/>
-                  <a:gd name="T33" fmla="*/ 12 h 84"/>
-                  <a:gd name="T34" fmla="*/ 19 w 119"/>
-                  <a:gd name="T35" fmla="*/ 19 h 84"/>
-                  <a:gd name="T36" fmla="*/ 13 w 119"/>
-                  <a:gd name="T37" fmla="*/ 38 h 84"/>
-                  <a:gd name="T38" fmla="*/ 13 w 119"/>
-                  <a:gd name="T39" fmla="*/ 84 h 84"/>
-                  <a:gd name="T40" fmla="*/ 0 w 119"/>
-                  <a:gd name="T41" fmla="*/ 84 h 84"/>
-                  <a:gd name="T42" fmla="*/ 0 w 119"/>
-                  <a:gd name="T43" fmla="*/ 2 h 84"/>
-                  <a:gd name="T44" fmla="*/ 13 w 119"/>
-                  <a:gd name="T45" fmla="*/ 2 h 84"/>
-                  <a:gd name="T46" fmla="*/ 13 w 119"/>
-                  <a:gd name="T47" fmla="*/ 15 h 84"/>
-                  <a:gd name="T48" fmla="*/ 24 w 119"/>
-                  <a:gd name="T49" fmla="*/ 4 h 84"/>
-                  <a:gd name="T50" fmla="*/ 39 w 119"/>
-                  <a:gd name="T51" fmla="*/ 0 h 84"/>
-                  <a:gd name="T52" fmla="*/ 55 w 119"/>
-                  <a:gd name="T53" fmla="*/ 5 h 84"/>
-                  <a:gd name="T54" fmla="*/ 64 w 119"/>
-                  <a:gd name="T55" fmla="*/ 18 h 84"/>
-                </a:gdLst>
-                <a:ahLst/>
-                <a:cxnLst>
-                  <a:cxn ang="0">
-                    <a:pos x="T0" y="T1"/>
-                  </a:cxn>
-                  <a:cxn ang="0">
-                    <a:pos x="T2" y="T3"/>
-                  </a:cxn>
-                  <a:cxn ang="0">
-                    <a:pos x="T4" y="T5"/>
-                  </a:cxn>
-                  <a:cxn ang="0">
-                    <a:pos x="T6" y="T7"/>
-                  </a:cxn>
-                  <a:cxn ang="0">
-                    <a:pos x="T8" y="T9"/>
-                  </a:cxn>
-                  <a:cxn ang="0">
-                    <a:pos x="T10" y="T11"/>
-                  </a:cxn>
-                  <a:cxn ang="0">
-                    <a:pos x="T12" y="T13"/>
-                  </a:cxn>
-                  <a:cxn ang="0">
-                    <a:pos x="T14" y="T15"/>
-                  </a:cxn>
-                  <a:cxn ang="0">
-                    <a:pos x="T16" y="T17"/>
-                  </a:cxn>
-                  <a:cxn ang="0">
-                    <a:pos x="T18" y="T19"/>
-                  </a:cxn>
-                  <a:cxn ang="0">
-                    <a:pos x="T20" y="T21"/>
-                  </a:cxn>
-                  <a:cxn ang="0">
-                    <a:pos x="T22" y="T23"/>
-                  </a:cxn>
-                  <a:cxn ang="0">
-                    <a:pos x="T24" y="T25"/>
-                  </a:cxn>
-                  <a:cxn ang="0">
-                    <a:pos x="T26" y="T27"/>
-                  </a:cxn>
-                  <a:cxn ang="0">
-                    <a:pos x="T28" y="T29"/>
-                  </a:cxn>
-                  <a:cxn ang="0">
-                    <a:pos x="T30" y="T31"/>
-                  </a:cxn>
-                  <a:cxn ang="0">
-                    <a:pos x="T32" y="T33"/>
-                  </a:cxn>
-                  <a:cxn ang="0">
-                    <a:pos x="T34" y="T35"/>
-                  </a:cxn>
-                  <a:cxn ang="0">
-                    <a:pos x="T36" y="T37"/>
-                  </a:cxn>
-                  <a:cxn ang="0">
-                    <a:pos x="T38" y="T39"/>
-                  </a:cxn>
-                  <a:cxn ang="0">
-                    <a:pos x="T40" y="T41"/>
-                  </a:cxn>
-                  <a:cxn ang="0">
-                    <a:pos x="T42" y="T43"/>
-                  </a:cxn>
-                  <a:cxn ang="0">
-                    <a:pos x="T44" y="T45"/>
-                  </a:cxn>
-                  <a:cxn ang="0">
-                    <a:pos x="T46" y="T47"/>
-                  </a:cxn>
-                  <a:cxn ang="0">
-                    <a:pos x="T48" y="T49"/>
-                  </a:cxn>
-                  <a:cxn ang="0">
-                    <a:pos x="T50" y="T51"/>
-                  </a:cxn>
-                  <a:cxn ang="0">
-                    <a:pos x="T52" y="T53"/>
-                  </a:cxn>
-                  <a:cxn ang="0">
-                    <a:pos x="T54" y="T55"/>
-                  </a:cxn>
-                </a:cxnLst>
-                <a:rect l="0" t="0" r="r" b="b"/>
-                <a:pathLst>
-                  <a:path w="119" h="84">
-                    <a:moveTo>
-                      <a:pt x="64" y="18"/>
-                    </a:moveTo>
-                    <a:cubicBezTo>
-                      <a:pt x="67" y="12"/>
-                      <a:pt x="71" y="7"/>
-                      <a:pt x="76" y="4"/>
-                    </a:cubicBezTo>
-                    <a:cubicBezTo>
-                      <a:pt x="81" y="1"/>
-                      <a:pt x="86" y="0"/>
-                      <a:pt x="93" y="0"/>
-                    </a:cubicBezTo>
-                    <a:cubicBezTo>
-                      <a:pt x="101" y="0"/>
-                      <a:pt x="108" y="3"/>
-                      <a:pt x="112" y="9"/>
-                    </a:cubicBezTo>
-                    <a:cubicBezTo>
-                      <a:pt x="117" y="15"/>
-                      <a:pt x="119" y="23"/>
-                      <a:pt x="119" y="34"/>
-                    </a:cubicBezTo>
-                    <a:lnTo>
-                      <a:pt x="119" y="84"/>
-                    </a:lnTo>
-                    <a:lnTo>
-                      <a:pt x="106" y="84"/>
-                    </a:lnTo>
-                    <a:lnTo>
-                      <a:pt x="106" y="35"/>
-                    </a:lnTo>
-                    <a:cubicBezTo>
-                      <a:pt x="106" y="27"/>
-                      <a:pt x="104" y="21"/>
-                      <a:pt x="102" y="17"/>
-                    </a:cubicBezTo>
-                    <a:cubicBezTo>
-                      <a:pt x="99" y="14"/>
-                      <a:pt x="95" y="12"/>
-                      <a:pt x="89" y="12"/>
-                    </a:cubicBezTo>
-                    <a:cubicBezTo>
-                      <a:pt x="82" y="12"/>
-                      <a:pt x="76" y="14"/>
-                      <a:pt x="72" y="19"/>
-                    </a:cubicBezTo>
-                    <a:cubicBezTo>
-                      <a:pt x="68" y="23"/>
-                      <a:pt x="66" y="30"/>
-                      <a:pt x="66" y="38"/>
-                    </a:cubicBezTo>
-                    <a:lnTo>
-                      <a:pt x="66" y="84"/>
-                    </a:lnTo>
-                    <a:lnTo>
-                      <a:pt x="53" y="84"/>
-                    </a:lnTo>
-                    <a:lnTo>
-                      <a:pt x="53" y="35"/>
-                    </a:lnTo>
-                    <a:cubicBezTo>
-                      <a:pt x="53" y="27"/>
-                      <a:pt x="51" y="21"/>
-                      <a:pt x="48" y="17"/>
-                    </a:cubicBezTo>
-                    <a:cubicBezTo>
-                      <a:pt x="46" y="14"/>
-                      <a:pt x="41" y="12"/>
-                      <a:pt x="36" y="12"/>
-                    </a:cubicBezTo>
-                    <a:cubicBezTo>
-                      <a:pt x="29" y="12"/>
-                      <a:pt x="23" y="14"/>
-                      <a:pt x="19" y="19"/>
-                    </a:cubicBezTo>
-                    <a:cubicBezTo>
-                      <a:pt x="15" y="23"/>
-                      <a:pt x="13" y="30"/>
-                      <a:pt x="13" y="38"/>
-                    </a:cubicBezTo>
-                    <a:lnTo>
-                      <a:pt x="13" y="84"/>
-                    </a:lnTo>
-                    <a:lnTo>
-                      <a:pt x="0" y="84"/>
-                    </a:lnTo>
-                    <a:lnTo>
-                      <a:pt x="0" y="2"/>
-                    </a:lnTo>
-                    <a:lnTo>
-                      <a:pt x="13" y="2"/>
-                    </a:lnTo>
-                    <a:lnTo>
-                      <a:pt x="13" y="15"/>
-                    </a:lnTo>
-                    <a:cubicBezTo>
-                      <a:pt x="16" y="10"/>
-                      <a:pt x="20" y="6"/>
-                      <a:pt x="24" y="4"/>
-                    </a:cubicBezTo>
-                    <a:cubicBezTo>
-                      <a:pt x="28" y="1"/>
-                      <a:pt x="34" y="0"/>
-                      <a:pt x="39" y="0"/>
-                    </a:cubicBezTo>
-                    <a:cubicBezTo>
-                      <a:pt x="45" y="0"/>
-                      <a:pt x="50" y="2"/>
-                      <a:pt x="55" y="5"/>
-                    </a:cubicBezTo>
-                    <a:cubicBezTo>
-                      <a:pt x="59" y="8"/>
-                      <a:pt x="62" y="12"/>
-                      <a:pt x="64" y="18"/>
-                    </a:cubicBezTo>
-                    <a:close/>
-                  </a:path>
-                </a:pathLst>
-              </a:custGeom>
-              <a:solidFill>
-                <a:srgbClr val="000000"/>
-              </a:solidFill>
-              <a:ln>
-                <a:noFill/>
-              </a:ln>
-              <a:extLst>
-                <a:ext uri="{91240B29-F687-4F45-9708-019B960494DF}">
-                  <a14:hiddenLine xmlns:a14="http://schemas.microsoft.com/office/drawing/2010/main" w="9525">
-                    <a:solidFill>
-                      <a:srgbClr val="000000"/>
-                    </a:solidFill>
-                    <a:round/>
-                    <a:headEnd/>
-                    <a:tailEnd/>
-                  </a14:hiddenLine>
-                </a:ext>
-              </a:extLst>
-            </p:spPr>
-            <p:txBody>
-              <a:bodyPr vert="horz" wrap="square" lIns="91440" tIns="45720" rIns="91440" bIns="45720" numCol="1" anchor="t" anchorCtr="0" compatLnSpc="1">
-                <a:prstTxWarp prst="textNoShape">
-                  <a:avLst/>
-                </a:prstTxWarp>
-              </a:bodyPr>
-              <a:lstStyle/>
-              <a:p>
-                <a:endParaRPr lang="fr-FR">
-                  <a:latin typeface="Arial" panose="020B0604020202020204" pitchFamily="34" charset="0"/>
-                  <a:cs typeface="Arial" panose="020B0604020202020204" pitchFamily="34" charset="0"/>
-                </a:endParaRPr>
-              </a:p>
-            </p:txBody>
-          </p:sp>
-          <p:sp>
-            <p:nvSpPr>
               <p:cNvPr id="46" name="Freeform 43"/>
               <p:cNvSpPr>
                 <a:spLocks/>
@@ -11079,7 +10081,7 @@
             <p:spPr bwMode="auto">
               <a:xfrm>
                 <a:off x="85" y="451"/>
-                <a:ext cx="1048" cy="259"/>
+                <a:ext cx="892" cy="259"/>
               </a:xfrm>
               <a:custGeom>
                 <a:avLst/>
@@ -17365,7 +16367,7 @@
             <p:spPr bwMode="auto">
               <a:xfrm>
                 <a:off x="37" y="139"/>
-                <a:ext cx="1157" cy="0"/>
+                <a:ext cx="1015" cy="3"/>
               </a:xfrm>
               <a:prstGeom prst="line">
                 <a:avLst/>
@@ -17414,7 +16416,7 @@
             <p:spPr bwMode="auto">
               <a:xfrm>
                 <a:off x="31" y="31"/>
-                <a:ext cx="1156" cy="1657"/>
+                <a:ext cx="1030" cy="1657"/>
               </a:xfrm>
               <a:custGeom>
                 <a:avLst/>
@@ -21290,7 +20292,7 @@
         </p:nvGrpSpPr>
         <p:grpSpPr>
           <a:xfrm>
-            <a:off x="3886655" y="-56645"/>
+            <a:off x="3578845" y="-56645"/>
             <a:ext cx="1909762" cy="2016125"/>
             <a:chOff x="2814638" y="357188"/>
             <a:chExt cx="1909762" cy="2016125"/>
@@ -33073,8 +32075,8 @@
         </p:nvSpPr>
         <p:spPr>
           <a:xfrm>
-            <a:off x="1917218" y="26863"/>
-            <a:ext cx="2009873" cy="3477875"/>
+            <a:off x="1708999" y="26863"/>
+            <a:ext cx="1914131" cy="3477875"/>
           </a:xfrm>
           <a:prstGeom prst="rect">
             <a:avLst/>
@@ -33096,13 +32098,19 @@
               <a:rPr lang="en-US" sz="1100" b="1" smtClean="0">
                 <a:cs typeface="Arial" panose="020B0604020202020204" pitchFamily="34" charset="0"/>
               </a:rPr>
-              <a:t>STATE</a:t>
+              <a:t>state</a:t>
             </a:r>
             <a:r>
               <a:rPr lang="en-US" sz="1100" smtClean="0">
                 <a:cs typeface="Arial" panose="020B0604020202020204" pitchFamily="34" charset="0"/>
               </a:rPr>
-              <a:t>(HighwayOpen,</a:t>
+              <a:t>(HighwayOpen</a:t>
+            </a:r>
+            <a:r>
+              <a:rPr lang="en-US" sz="1100" smtClean="0">
+                <a:cs typeface="Arial" panose="020B0604020202020204" pitchFamily="34" charset="0"/>
+              </a:rPr>
+              <a:t>,</a:t>
             </a:r>
           </a:p>
           <a:p>
@@ -33130,7 +32138,7 @@
               <a:rPr lang="en-US" sz="1100" b="1" smtClean="0">
                 <a:cs typeface="Arial" panose="020B0604020202020204" pitchFamily="34" charset="0"/>
               </a:rPr>
-              <a:t>INITIAL_STATE</a:t>
+              <a:t>initial_state</a:t>
             </a:r>
             <a:r>
               <a:rPr lang="en-US" sz="1100" smtClean="0">
@@ -33138,6 +32146,9 @@
               </a:rPr>
               <a:t>(</a:t>
             </a:r>
+            <a:endParaRPr lang="en-US" sz="1100" smtClean="0">
+              <a:cs typeface="Arial" panose="020B0604020202020204" pitchFamily="34" charset="0"/>
+            </a:endParaRPr>
           </a:p>
           <a:p>
             <a:r>
@@ -33150,8 +32161,17 @@
               <a:rPr lang="en-US" sz="1100" smtClean="0">
                 <a:cs typeface="Arial" panose="020B0604020202020204" pitchFamily="34" charset="0"/>
               </a:rPr>
-              <a:t>   WaitingForHighwayMinimum</a:t>
+              <a:t>   </a:t>
             </a:r>
+            <a:r>
+              <a:rPr lang="en-US" sz="1100" smtClean="0">
+                <a:cs typeface="Arial" panose="020B0604020202020204" pitchFamily="34" charset="0"/>
+              </a:rPr>
+              <a:t>WaitingForHighwayMin</a:t>
+            </a:r>
+            <a:endParaRPr lang="en-US" sz="1100" smtClean="0">
+              <a:cs typeface="Arial" panose="020B0604020202020204" pitchFamily="34" charset="0"/>
+            </a:endParaRPr>
           </a:p>
           <a:p>
             <a:r>
@@ -33178,13 +32198,19 @@
               <a:rPr lang="en-US" sz="1100" b="1" smtClean="0">
                 <a:cs typeface="Arial" panose="020B0604020202020204" pitchFamily="34" charset="0"/>
               </a:rPr>
-              <a:t>DEFER</a:t>
+              <a:t>defer</a:t>
             </a:r>
             <a:r>
               <a:rPr lang="en-US" sz="1100" smtClean="0">
                 <a:cs typeface="Arial" panose="020B0604020202020204" pitchFamily="34" charset="0"/>
               </a:rPr>
-              <a:t>(DetectorOn);</a:t>
+              <a:t>(DetectorOn</a:t>
+            </a:r>
+            <a:r>
+              <a:rPr lang="en-US" sz="1100" smtClean="0">
+                <a:cs typeface="Arial" panose="020B0604020202020204" pitchFamily="34" charset="0"/>
+              </a:rPr>
+              <a:t>);</a:t>
             </a:r>
           </a:p>
           <a:p>
@@ -33212,13 +32238,19 @@
               <a:rPr lang="en-US" sz="1100" b="1" smtClean="0">
                 <a:cs typeface="Arial" panose="020B0604020202020204" pitchFamily="34" charset="0"/>
               </a:rPr>
-              <a:t>STATE</a:t>
+              <a:t>state</a:t>
             </a:r>
             <a:r>
               <a:rPr lang="en-US" sz="1100" smtClean="0">
                 <a:cs typeface="Arial" panose="020B0604020202020204" pitchFamily="34" charset="0"/>
               </a:rPr>
-              <a:t>(MinimumTimeElapsed,</a:t>
+              <a:t>(MinimumTimeElapsed</a:t>
+            </a:r>
+            <a:r>
+              <a:rPr lang="en-US" sz="1100" smtClean="0">
+                <a:cs typeface="Arial" panose="020B0604020202020204" pitchFamily="34" charset="0"/>
+              </a:rPr>
+              <a:t>,</a:t>
             </a:r>
           </a:p>
           <a:p>
@@ -33252,13 +32284,19 @@
               <a:rPr lang="en-US" sz="1100" b="1" smtClean="0">
                 <a:cs typeface="Arial" panose="020B0604020202020204" pitchFamily="34" charset="0"/>
               </a:rPr>
-              <a:t>FINAL_STATE</a:t>
+              <a:t>final_state</a:t>
             </a:r>
             <a:r>
               <a:rPr lang="en-US" sz="1100" smtClean="0">
                 <a:cs typeface="Arial" panose="020B0604020202020204" pitchFamily="34" charset="0"/>
               </a:rPr>
-              <a:t>(f1);</a:t>
+              <a:t>(f1</a:t>
+            </a:r>
+            <a:r>
+              <a:rPr lang="en-US" sz="1100" smtClean="0">
+                <a:cs typeface="Arial" panose="020B0604020202020204" pitchFamily="34" charset="0"/>
+              </a:rPr>
+              <a:t>);</a:t>
             </a:r>
           </a:p>
           <a:p>
@@ -33274,13 +32312,19 @@
               <a:rPr lang="en-US" sz="1100" b="1" smtClean="0">
                 <a:cs typeface="Arial" panose="020B0604020202020204" pitchFamily="34" charset="0"/>
               </a:rPr>
-              <a:t>TRANSITION_TABLE</a:t>
+              <a:t>transition_table</a:t>
             </a:r>
             <a:r>
               <a:rPr lang="en-US" sz="1100" smtClean="0">
                 <a:cs typeface="Arial" panose="020B0604020202020204" pitchFamily="34" charset="0"/>
               </a:rPr>
-              <a:t> {</a:t>
+              <a:t> </a:t>
+            </a:r>
+            <a:r>
+              <a:rPr lang="en-US" sz="1100" smtClean="0">
+                <a:cs typeface="Arial" panose="020B0604020202020204" pitchFamily="34" charset="0"/>
+              </a:rPr>
+              <a:t>{</a:t>
             </a:r>
           </a:p>
           <a:p>
@@ -33294,14 +32338,17 @@
               <a:rPr lang="en-US" sz="1100" b="1" smtClean="0">
                 <a:cs typeface="Arial" panose="020B0604020202020204" pitchFamily="34" charset="0"/>
               </a:rPr>
-              <a:t>TRANSITION</a:t>
+              <a:t>transition</a:t>
             </a:r>
             <a:r>
-              <a:rPr lang="en-US" sz="1100">
+              <a:rPr lang="en-US" sz="1100" smtClean="0">
                 <a:cs typeface="Arial" panose="020B0604020202020204" pitchFamily="34" charset="0"/>
               </a:rPr>
               <a:t>(</a:t>
             </a:r>
+            <a:endParaRPr lang="en-US" sz="1100">
+              <a:cs typeface="Arial" panose="020B0604020202020204" pitchFamily="34" charset="0"/>
+            </a:endParaRPr>
           </a:p>
           <a:p>
             <a:r>
@@ -33311,17 +32358,14 @@
               <a:t>    </a:t>
             </a:r>
             <a:r>
-              <a:rPr lang="en-US" sz="1100">
-                <a:cs typeface="Arial" panose="020B0604020202020204" pitchFamily="34" charset="0"/>
-              </a:rPr>
-              <a:t>WaitingForHighwayMinimum</a:t>
-            </a:r>
-            <a:r>
               <a:rPr lang="en-US" sz="1100" smtClean="0">
                 <a:cs typeface="Arial" panose="020B0604020202020204" pitchFamily="34" charset="0"/>
               </a:rPr>
-              <a:t>,</a:t>
+              <a:t>WaitingForHighwayMin,</a:t>
             </a:r>
+            <a:endParaRPr lang="en-US" sz="1100" smtClean="0">
+              <a:cs typeface="Arial" panose="020B0604020202020204" pitchFamily="34" charset="0"/>
+            </a:endParaRPr>
           </a:p>
           <a:p>
             <a:r>
@@ -33362,14 +32406,17 @@
               <a:rPr lang="en-US" sz="1100" b="1" smtClean="0">
                 <a:cs typeface="Arial" panose="020B0604020202020204" pitchFamily="34" charset="0"/>
               </a:rPr>
-              <a:t>TRANSITION</a:t>
+              <a:t>transition</a:t>
             </a:r>
             <a:r>
-              <a:rPr lang="en-US" sz="1100">
+              <a:rPr lang="en-US" sz="1100" smtClean="0">
                 <a:cs typeface="Arial" panose="020B0604020202020204" pitchFamily="34" charset="0"/>
               </a:rPr>
               <a:t>(</a:t>
             </a:r>
+            <a:endParaRPr lang="en-US" sz="1100">
+              <a:cs typeface="Arial" panose="020B0604020202020204" pitchFamily="34" charset="0"/>
+            </a:endParaRPr>
           </a:p>
           <a:p>
             <a:r>
@@ -33453,7 +32500,7 @@
         </p:nvSpPr>
         <p:spPr>
           <a:xfrm>
-            <a:off x="5591419" y="24991"/>
+            <a:off x="5256454" y="24991"/>
             <a:ext cx="1990919" cy="3139321"/>
           </a:xfrm>
           <a:prstGeom prst="rect">
@@ -33476,13 +32523,19 @@
               <a:rPr lang="en-US" sz="1100" b="1" smtClean="0">
                 <a:cs typeface="Arial" panose="020B0604020202020204" pitchFamily="34" charset="0"/>
               </a:rPr>
-              <a:t>STATE</a:t>
+              <a:t>state</a:t>
             </a:r>
             <a:r>
               <a:rPr lang="en-US" sz="1100" smtClean="0">
                 <a:cs typeface="Arial" panose="020B0604020202020204" pitchFamily="34" charset="0"/>
               </a:rPr>
-              <a:t>(HighwayOpen,</a:t>
+              <a:t>(HighwayOpen</a:t>
+            </a:r>
+            <a:r>
+              <a:rPr lang="en-US" sz="1100" smtClean="0">
+                <a:cs typeface="Arial" panose="020B0604020202020204" pitchFamily="34" charset="0"/>
+              </a:rPr>
+              <a:t>,</a:t>
             </a:r>
           </a:p>
           <a:p>
@@ -33510,7 +32563,7 @@
               <a:rPr lang="en-US" sz="1100" b="1" smtClean="0">
                 <a:cs typeface="Arial" panose="020B0604020202020204" pitchFamily="34" charset="0"/>
               </a:rPr>
-              <a:t>INITIAL_STATE</a:t>
+              <a:t>initial_state</a:t>
             </a:r>
             <a:r>
               <a:rPr lang="en-US" sz="1100" smtClean="0">
@@ -33518,6 +32571,9 @@
               </a:rPr>
               <a:t>(</a:t>
             </a:r>
+            <a:endParaRPr lang="en-US" sz="1100" smtClean="0">
+              <a:cs typeface="Arial" panose="020B0604020202020204" pitchFamily="34" charset="0"/>
+            </a:endParaRPr>
           </a:p>
           <a:p>
             <a:r>
@@ -33558,13 +32614,19 @@
               <a:rPr lang="en-US" sz="1100" b="1" smtClean="0">
                 <a:cs typeface="Arial" panose="020B0604020202020204" pitchFamily="34" charset="0"/>
               </a:rPr>
-              <a:t>FINAL_STATE</a:t>
+              <a:t>final_state</a:t>
             </a:r>
             <a:r>
               <a:rPr lang="en-US" sz="1100" smtClean="0">
                 <a:cs typeface="Arial" panose="020B0604020202020204" pitchFamily="34" charset="0"/>
               </a:rPr>
-              <a:t>(f1);</a:t>
+              <a:t>(f1</a:t>
+            </a:r>
+            <a:r>
+              <a:rPr lang="en-US" sz="1100" smtClean="0">
+                <a:cs typeface="Arial" panose="020B0604020202020204" pitchFamily="34" charset="0"/>
+              </a:rPr>
+              <a:t>);</a:t>
             </a:r>
           </a:p>
           <a:p>
@@ -33577,16 +32639,22 @@
           </a:p>
           <a:p>
             <a:r>
-              <a:rPr lang="en-US" sz="1100" b="1">
+              <a:rPr lang="en-US" sz="1100" b="1" smtClean="0">
                 <a:cs typeface="Arial" panose="020B0604020202020204" pitchFamily="34" charset="0"/>
               </a:rPr>
-              <a:t>TRANSITION_TABLE</a:t>
+              <a:t>transition_table</a:t>
+            </a:r>
+            <a:r>
+              <a:rPr lang="en-US" sz="1100" smtClean="0">
+                <a:cs typeface="Arial" panose="020B0604020202020204" pitchFamily="34" charset="0"/>
+              </a:rPr>
+              <a:t> </a:t>
             </a:r>
             <a:r>
               <a:rPr lang="en-US" sz="1100">
                 <a:cs typeface="Arial" panose="020B0604020202020204" pitchFamily="34" charset="0"/>
               </a:rPr>
-              <a:t> {</a:t>
+              <a:t>{</a:t>
             </a:r>
           </a:p>
           <a:p>
@@ -33600,14 +32668,17 @@
               <a:rPr lang="en-US" sz="1100" b="1" smtClean="0">
                 <a:cs typeface="Arial" panose="020B0604020202020204" pitchFamily="34" charset="0"/>
               </a:rPr>
-              <a:t>INT_TRANSITION</a:t>
+              <a:t>int_transition</a:t>
             </a:r>
             <a:r>
-              <a:rPr lang="en-US" sz="1100">
+              <a:rPr lang="en-US" sz="1100" smtClean="0">
                 <a:cs typeface="Arial" panose="020B0604020202020204" pitchFamily="34" charset="0"/>
               </a:rPr>
               <a:t>(</a:t>
             </a:r>
+            <a:endParaRPr lang="en-US" sz="1100">
+              <a:cs typeface="Arial" panose="020B0604020202020204" pitchFamily="34" charset="0"/>
+            </a:endParaRPr>
           </a:p>
           <a:p>
             <a:r>
@@ -33645,14 +32716,17 @@
               <a:rPr lang="en-US" sz="1100" b="1" smtClean="0">
                 <a:cs typeface="Arial" panose="020B0604020202020204" pitchFamily="34" charset="0"/>
               </a:rPr>
-              <a:t>INT_TRANSITION</a:t>
+              <a:t>int_transition</a:t>
             </a:r>
             <a:r>
-              <a:rPr lang="en-US" sz="1100">
+              <a:rPr lang="en-US" sz="1100" smtClean="0">
                 <a:cs typeface="Arial" panose="020B0604020202020204" pitchFamily="34" charset="0"/>
               </a:rPr>
               <a:t>(</a:t>
             </a:r>
+            <a:endParaRPr lang="en-US" sz="1100">
+              <a:cs typeface="Arial" panose="020B0604020202020204" pitchFamily="34" charset="0"/>
+            </a:endParaRPr>
           </a:p>
           <a:p>
             <a:r>
@@ -33702,7 +32776,7 @@
               <a:rPr lang="en-US" sz="1100" b="1" smtClean="0">
                 <a:cs typeface="Arial" panose="020B0604020202020204" pitchFamily="34" charset="0"/>
               </a:rPr>
-              <a:t>TRANSITION</a:t>
+              <a:t>transition</a:t>
             </a:r>
             <a:r>
               <a:rPr lang="en-US" sz="1100" smtClean="0">
@@ -33710,6 +32784,9 @@
               </a:rPr>
               <a:t>(</a:t>
             </a:r>
+            <a:endParaRPr lang="en-US" sz="1100" smtClean="0">
+              <a:cs typeface="Arial" panose="020B0604020202020204" pitchFamily="34" charset="0"/>
+            </a:endParaRPr>
           </a:p>
           <a:p>
             <a:r>
@@ -33790,7 +32867,7 @@
         </p:nvSpPr>
         <p:spPr>
           <a:xfrm>
-            <a:off x="4728115" y="1516304"/>
+            <a:off x="4393150" y="1516304"/>
             <a:ext cx="300082" cy="261610"/>
           </a:xfrm>
           <a:prstGeom prst="rect">
@@ -33864,7 +32941,7 @@
         </p:nvSpPr>
         <p:spPr>
           <a:xfrm>
-            <a:off x="3605572" y="3212957"/>
+            <a:off x="3315873" y="3212957"/>
             <a:ext cx="231238" cy="261244"/>
           </a:xfrm>
           <a:prstGeom prst="ellipse">
@@ -33908,7 +32985,7 @@
         </p:nvSpPr>
         <p:spPr>
           <a:xfrm>
-            <a:off x="4645748" y="1932046"/>
+            <a:off x="4337938" y="1932046"/>
             <a:ext cx="231238" cy="261244"/>
           </a:xfrm>
           <a:prstGeom prst="ellipse">
@@ -33952,7 +33029,7 @@
         </p:nvSpPr>
         <p:spPr>
           <a:xfrm>
-            <a:off x="6586878" y="3192409"/>
+            <a:off x="6251913" y="3192409"/>
             <a:ext cx="231238" cy="261244"/>
           </a:xfrm>
           <a:prstGeom prst="ellipse">
